--- a/doc/CONLL18/graphs.pptx
+++ b/doc/CONLL18/graphs.pptx
@@ -8,6 +8,7 @@
     <p:sldId id="256" r:id="rId2"/>
     <p:sldId id="259" r:id="rId3"/>
     <p:sldId id="258" r:id="rId4"/>
+    <p:sldId id="260" r:id="rId5"/>
   </p:sldIdLst>
   <p:sldSz cx="12192000" cy="6858000"/>
   <p:notesSz cx="6858000" cy="9144000"/>
@@ -106,6 +107,11 @@
       </a:defRPr>
     </a:lvl9pPr>
   </p:defaultTextStyle>
+  <p:extLst>
+    <p:ext uri="{EFAFB233-063F-42B5-8137-9DF3F51BA10A}">
+      <p15:sldGuideLst xmlns:p15="http://schemas.microsoft.com/office/powerpoint/2012/main"/>
+    </p:ext>
+  </p:extLst>
 </p:presentation>
 </file>
 
@@ -256,7 +262,7 @@
           <a:p>
             <a:fld id="{DFAE126E-B4C2-8D4D-9F24-C13BDCAABB05}" type="datetimeFigureOut">
               <a:rPr lang="en-US" smtClean="0"/>
-              <a:t>6/1/18</a:t>
+              <a:t>6/6/18</a:t>
             </a:fld>
             <a:endParaRPr lang="en-US"/>
           </a:p>
@@ -454,7 +460,7 @@
           <a:p>
             <a:fld id="{DFAE126E-B4C2-8D4D-9F24-C13BDCAABB05}" type="datetimeFigureOut">
               <a:rPr lang="en-US" smtClean="0"/>
-              <a:t>6/1/18</a:t>
+              <a:t>6/6/18</a:t>
             </a:fld>
             <a:endParaRPr lang="en-US"/>
           </a:p>
@@ -662,7 +668,7 @@
           <a:p>
             <a:fld id="{DFAE126E-B4C2-8D4D-9F24-C13BDCAABB05}" type="datetimeFigureOut">
               <a:rPr lang="en-US" smtClean="0"/>
-              <a:t>6/1/18</a:t>
+              <a:t>6/6/18</a:t>
             </a:fld>
             <a:endParaRPr lang="en-US"/>
           </a:p>
@@ -860,7 +866,7 @@
           <a:p>
             <a:fld id="{DFAE126E-B4C2-8D4D-9F24-C13BDCAABB05}" type="datetimeFigureOut">
               <a:rPr lang="en-US" smtClean="0"/>
-              <a:t>6/1/18</a:t>
+              <a:t>6/6/18</a:t>
             </a:fld>
             <a:endParaRPr lang="en-US"/>
           </a:p>
@@ -1135,7 +1141,7 @@
           <a:p>
             <a:fld id="{DFAE126E-B4C2-8D4D-9F24-C13BDCAABB05}" type="datetimeFigureOut">
               <a:rPr lang="en-US" smtClean="0"/>
-              <a:t>6/1/18</a:t>
+              <a:t>6/6/18</a:t>
             </a:fld>
             <a:endParaRPr lang="en-US"/>
           </a:p>
@@ -1400,7 +1406,7 @@
           <a:p>
             <a:fld id="{DFAE126E-B4C2-8D4D-9F24-C13BDCAABB05}" type="datetimeFigureOut">
               <a:rPr lang="en-US" smtClean="0"/>
-              <a:t>6/1/18</a:t>
+              <a:t>6/6/18</a:t>
             </a:fld>
             <a:endParaRPr lang="en-US"/>
           </a:p>
@@ -1812,7 +1818,7 @@
           <a:p>
             <a:fld id="{DFAE126E-B4C2-8D4D-9F24-C13BDCAABB05}" type="datetimeFigureOut">
               <a:rPr lang="en-US" smtClean="0"/>
-              <a:t>6/1/18</a:t>
+              <a:t>6/6/18</a:t>
             </a:fld>
             <a:endParaRPr lang="en-US"/>
           </a:p>
@@ -1953,7 +1959,7 @@
           <a:p>
             <a:fld id="{DFAE126E-B4C2-8D4D-9F24-C13BDCAABB05}" type="datetimeFigureOut">
               <a:rPr lang="en-US" smtClean="0"/>
-              <a:t>6/1/18</a:t>
+              <a:t>6/6/18</a:t>
             </a:fld>
             <a:endParaRPr lang="en-US"/>
           </a:p>
@@ -2066,7 +2072,7 @@
           <a:p>
             <a:fld id="{DFAE126E-B4C2-8D4D-9F24-C13BDCAABB05}" type="datetimeFigureOut">
               <a:rPr lang="en-US" smtClean="0"/>
-              <a:t>6/1/18</a:t>
+              <a:t>6/6/18</a:t>
             </a:fld>
             <a:endParaRPr lang="en-US"/>
           </a:p>
@@ -2377,7 +2383,7 @@
           <a:p>
             <a:fld id="{DFAE126E-B4C2-8D4D-9F24-C13BDCAABB05}" type="datetimeFigureOut">
               <a:rPr lang="en-US" smtClean="0"/>
-              <a:t>6/1/18</a:t>
+              <a:t>6/6/18</a:t>
             </a:fld>
             <a:endParaRPr lang="en-US"/>
           </a:p>
@@ -2665,7 +2671,7 @@
           <a:p>
             <a:fld id="{DFAE126E-B4C2-8D4D-9F24-C13BDCAABB05}" type="datetimeFigureOut">
               <a:rPr lang="en-US" smtClean="0"/>
-              <a:t>6/1/18</a:t>
+              <a:t>6/6/18</a:t>
             </a:fld>
             <a:endParaRPr lang="en-US"/>
           </a:p>
@@ -2906,7 +2912,7 @@
           <a:p>
             <a:fld id="{DFAE126E-B4C2-8D4D-9F24-C13BDCAABB05}" type="datetimeFigureOut">
               <a:rPr lang="en-US" smtClean="0"/>
-              <a:t>6/1/18</a:t>
+              <a:t>6/6/18</a:t>
             </a:fld>
             <a:endParaRPr lang="en-US"/>
           </a:p>
@@ -5683,6 +5689,2064 @@
 </p:sld>
 </file>
 
+<file path=ppt/slides/slide4.xml><?xml version="1.0" encoding="utf-8"?>
+<p:sld xmlns:a="http://schemas.openxmlformats.org/drawingml/2006/main" xmlns:r="http://schemas.openxmlformats.org/officeDocument/2006/relationships" xmlns:p="http://schemas.openxmlformats.org/presentationml/2006/main">
+  <p:cSld>
+    <p:spTree>
+      <p:nvGrpSpPr>
+        <p:cNvPr id="1" name=""/>
+        <p:cNvGrpSpPr/>
+        <p:nvPr/>
+      </p:nvGrpSpPr>
+      <p:grpSpPr>
+        <a:xfrm>
+          <a:off x="0" y="0"/>
+          <a:ext cx="0" cy="0"/>
+          <a:chOff x="0" y="0"/>
+          <a:chExt cx="0" cy="0"/>
+        </a:xfrm>
+      </p:grpSpPr>
+      <p:grpSp>
+        <p:nvGrpSpPr>
+          <p:cNvPr id="2" name="Group 1">
+            <a:extLst>
+              <a:ext uri="{FF2B5EF4-FFF2-40B4-BE49-F238E27FC236}">
+                <a16:creationId xmlns:a16="http://schemas.microsoft.com/office/drawing/2014/main" id="{AFE325D8-ED29-0344-A50F-C3E1F219FB13}"/>
+              </a:ext>
+            </a:extLst>
+          </p:cNvPr>
+          <p:cNvGrpSpPr/>
+          <p:nvPr/>
+        </p:nvGrpSpPr>
+        <p:grpSpPr>
+          <a:xfrm>
+            <a:off x="775573" y="2308278"/>
+            <a:ext cx="10666150" cy="3746216"/>
+            <a:chOff x="775573" y="2308278"/>
+            <a:chExt cx="10666150" cy="3746216"/>
+          </a:xfrm>
+        </p:grpSpPr>
+        <p:sp>
+          <p:nvSpPr>
+            <p:cNvPr id="4" name="Rectangle 3">
+              <a:extLst>
+                <a:ext uri="{FF2B5EF4-FFF2-40B4-BE49-F238E27FC236}">
+                  <a16:creationId xmlns:a16="http://schemas.microsoft.com/office/drawing/2014/main" id="{67D3B29B-5CF7-D247-92A5-1982E2CC27A5}"/>
+                </a:ext>
+              </a:extLst>
+            </p:cNvPr>
+            <p:cNvSpPr/>
+            <p:nvPr/>
+          </p:nvSpPr>
+          <p:spPr>
+            <a:xfrm>
+              <a:off x="775573" y="5131164"/>
+              <a:ext cx="10666150" cy="923330"/>
+            </a:xfrm>
+            <a:prstGeom prst="rect">
+              <a:avLst/>
+            </a:prstGeom>
+          </p:spPr>
+          <p:txBody>
+            <a:bodyPr wrap="square">
+              <a:spAutoFit/>
+            </a:bodyPr>
+            <a:lstStyle/>
+            <a:p>
+              <a:r>
+                <a:rPr lang="en-US" b="1" dirty="0">
+                  <a:solidFill>
+                    <a:srgbClr val="FF0000"/>
+                  </a:solidFill>
+                </a:rPr>
+                <a:t>John B. Taylor</a:t>
+              </a:r>
+              <a:r>
+                <a:rPr lang="en-US" dirty="0"/>
+                <a:t>, a professor of economics at Stanford University and a former under secretary of the Treasury under President Bush, recently argued that the </a:t>
+              </a:r>
+              <a:r>
+                <a:rPr lang="en-US" b="1" dirty="0">
+                  <a:solidFill>
+                    <a:srgbClr val="FF0000"/>
+                  </a:solidFill>
+                </a:rPr>
+                <a:t>Fed</a:t>
+              </a:r>
+              <a:r>
+                <a:rPr lang="en-US" dirty="0"/>
+                <a:t>'s rate cuts after 2001 appeared to have </a:t>
+              </a:r>
+              <a:r>
+                <a:rPr lang="en-US" i="1" dirty="0">
+                  <a:solidFill>
+                    <a:schemeClr val="accent1"/>
+                  </a:solidFill>
+                </a:rPr>
+                <a:t>exaggerated both the housing boom and bust</a:t>
+              </a:r>
+              <a:r>
+                <a:rPr lang="en-US" dirty="0"/>
+                <a:t>.</a:t>
+              </a:r>
+            </a:p>
+          </p:txBody>
+        </p:sp>
+        <p:sp>
+          <p:nvSpPr>
+            <p:cNvPr id="17" name="TextBox 16">
+              <a:extLst>
+                <a:ext uri="{FF2B5EF4-FFF2-40B4-BE49-F238E27FC236}">
+                  <a16:creationId xmlns:a16="http://schemas.microsoft.com/office/drawing/2014/main" id="{3D8AF252-2608-894B-9B81-AECCEE4E8FAE}"/>
+                </a:ext>
+              </a:extLst>
+            </p:cNvPr>
+            <p:cNvSpPr txBox="1"/>
+            <p:nvPr/>
+          </p:nvSpPr>
+          <p:spPr>
+            <a:xfrm>
+              <a:off x="6746558" y="4459279"/>
+              <a:ext cx="274320" cy="369332"/>
+            </a:xfrm>
+            <a:prstGeom prst="rect">
+              <a:avLst/>
+            </a:prstGeom>
+            <a:noFill/>
+          </p:spPr>
+          <p:txBody>
+            <a:bodyPr wrap="square" rtlCol="0">
+              <a:spAutoFit/>
+            </a:bodyPr>
+            <a:lstStyle/>
+            <a:p>
+              <a:r>
+                <a:rPr lang="en-US" dirty="0"/>
+                <a:t>…</a:t>
+              </a:r>
+            </a:p>
+          </p:txBody>
+        </p:sp>
+        <p:sp>
+          <p:nvSpPr>
+            <p:cNvPr id="23" name="TextBox 22">
+              <a:extLst>
+                <a:ext uri="{FF2B5EF4-FFF2-40B4-BE49-F238E27FC236}">
+                  <a16:creationId xmlns:a16="http://schemas.microsoft.com/office/drawing/2014/main" id="{EC8F10EB-6037-7547-8DA8-3F25925375D1}"/>
+                </a:ext>
+              </a:extLst>
+            </p:cNvPr>
+            <p:cNvSpPr txBox="1"/>
+            <p:nvPr/>
+          </p:nvSpPr>
+          <p:spPr>
+            <a:xfrm>
+              <a:off x="10928370" y="4452066"/>
+              <a:ext cx="274320" cy="369332"/>
+            </a:xfrm>
+            <a:prstGeom prst="rect">
+              <a:avLst/>
+            </a:prstGeom>
+            <a:noFill/>
+          </p:spPr>
+          <p:txBody>
+            <a:bodyPr wrap="square" rtlCol="0">
+              <a:spAutoFit/>
+            </a:bodyPr>
+            <a:lstStyle/>
+            <a:p>
+              <a:r>
+                <a:rPr lang="en-US" dirty="0"/>
+                <a:t>…</a:t>
+              </a:r>
+            </a:p>
+          </p:txBody>
+        </p:sp>
+        <p:sp>
+          <p:nvSpPr>
+            <p:cNvPr id="24" name="TextBox 23">
+              <a:extLst>
+                <a:ext uri="{FF2B5EF4-FFF2-40B4-BE49-F238E27FC236}">
+                  <a16:creationId xmlns:a16="http://schemas.microsoft.com/office/drawing/2014/main" id="{1EA18574-D314-7844-A550-0CC15A224BF3}"/>
+                </a:ext>
+              </a:extLst>
+            </p:cNvPr>
+            <p:cNvSpPr txBox="1"/>
+            <p:nvPr/>
+          </p:nvSpPr>
+          <p:spPr>
+            <a:xfrm>
+              <a:off x="775574" y="4520834"/>
+              <a:ext cx="1500903" cy="307777"/>
+            </a:xfrm>
+            <a:prstGeom prst="rect">
+              <a:avLst/>
+            </a:prstGeom>
+            <a:noFill/>
+          </p:spPr>
+          <p:txBody>
+            <a:bodyPr wrap="square" rtlCol="0">
+              <a:spAutoFit/>
+            </a:bodyPr>
+            <a:lstStyle/>
+            <a:p>
+              <a:r>
+                <a:rPr lang="en-US" sz="1400" dirty="0"/>
+                <a:t>words/entity emb</a:t>
+              </a:r>
+            </a:p>
+          </p:txBody>
+        </p:sp>
+        <p:grpSp>
+          <p:nvGrpSpPr>
+            <p:cNvPr id="59" name="Group 58">
+              <a:extLst>
+                <a:ext uri="{FF2B5EF4-FFF2-40B4-BE49-F238E27FC236}">
+                  <a16:creationId xmlns:a16="http://schemas.microsoft.com/office/drawing/2014/main" id="{26EF71B0-D2F0-244E-8C0C-D49FA83976BF}"/>
+                </a:ext>
+              </a:extLst>
+            </p:cNvPr>
+            <p:cNvGrpSpPr/>
+            <p:nvPr/>
+          </p:nvGrpSpPr>
+          <p:grpSpPr>
+            <a:xfrm>
+              <a:off x="2296738" y="3451860"/>
+              <a:ext cx="1535430" cy="1407494"/>
+              <a:chOff x="2343630" y="3451860"/>
+              <a:chExt cx="1535430" cy="1407494"/>
+            </a:xfrm>
+          </p:grpSpPr>
+          <p:sp>
+            <p:nvSpPr>
+              <p:cNvPr id="7" name="Rounded Rectangle 6">
+                <a:extLst>
+                  <a:ext uri="{FF2B5EF4-FFF2-40B4-BE49-F238E27FC236}">
+                    <a16:creationId xmlns:a16="http://schemas.microsoft.com/office/drawing/2014/main" id="{24A31AF2-E96F-EA48-B11F-85FAC35FF106}"/>
+                  </a:ext>
+                </a:extLst>
+              </p:cNvPr>
+              <p:cNvSpPr/>
+              <p:nvPr/>
+            </p:nvSpPr>
+            <p:spPr>
+              <a:xfrm>
+                <a:off x="2343630" y="4486671"/>
+                <a:ext cx="1535430" cy="372683"/>
+              </a:xfrm>
+              <a:prstGeom prst="roundRect">
+                <a:avLst/>
+              </a:prstGeom>
+            </p:spPr>
+            <p:style>
+              <a:lnRef idx="2">
+                <a:schemeClr val="accent1"/>
+              </a:lnRef>
+              <a:fillRef idx="1">
+                <a:schemeClr val="lt1"/>
+              </a:fillRef>
+              <a:effectRef idx="0">
+                <a:schemeClr val="accent1"/>
+              </a:effectRef>
+              <a:fontRef idx="minor">
+                <a:schemeClr val="dk1"/>
+              </a:fontRef>
+            </p:style>
+            <p:txBody>
+              <a:bodyPr rtlCol="0" anchor="ctr"/>
+              <a:lstStyle/>
+              <a:p>
+                <a:pPr algn="ctr"/>
+                <a:r>
+                  <a:rPr lang="en-US" dirty="0"/>
+                  <a:t>John B. Taylor</a:t>
+                </a:r>
+              </a:p>
+            </p:txBody>
+          </p:sp>
+          <p:sp>
+            <p:nvSpPr>
+              <p:cNvPr id="31" name="Rounded Rectangle 30">
+                <a:extLst>
+                  <a:ext uri="{FF2B5EF4-FFF2-40B4-BE49-F238E27FC236}">
+                    <a16:creationId xmlns:a16="http://schemas.microsoft.com/office/drawing/2014/main" id="{B8322464-1C63-ED45-8A18-D0D704F92394}"/>
+                  </a:ext>
+                </a:extLst>
+              </p:cNvPr>
+              <p:cNvSpPr/>
+              <p:nvPr/>
+            </p:nvSpPr>
+            <p:spPr>
+              <a:xfrm>
+                <a:off x="2723677" y="3451860"/>
+                <a:ext cx="775335" cy="320040"/>
+              </a:xfrm>
+              <a:prstGeom prst="roundRect">
+                <a:avLst/>
+              </a:prstGeom>
+            </p:spPr>
+            <p:style>
+              <a:lnRef idx="3">
+                <a:schemeClr val="lt1"/>
+              </a:lnRef>
+              <a:fillRef idx="1">
+                <a:schemeClr val="accent2"/>
+              </a:fillRef>
+              <a:effectRef idx="1">
+                <a:schemeClr val="accent2"/>
+              </a:effectRef>
+              <a:fontRef idx="minor">
+                <a:schemeClr val="lt1"/>
+              </a:fontRef>
+            </p:style>
+            <p:txBody>
+              <a:bodyPr rtlCol="0" anchor="ctr"/>
+              <a:lstStyle/>
+              <a:p>
+                <a:pPr algn="ctr"/>
+                <a:r>
+                  <a:rPr lang="en-US" sz="1500" dirty="0"/>
+                  <a:t>LSTM</a:t>
+                </a:r>
+              </a:p>
+            </p:txBody>
+          </p:sp>
+          <p:cxnSp>
+            <p:nvCxnSpPr>
+              <p:cNvPr id="41" name="Straight Arrow Connector 40">
+                <a:extLst>
+                  <a:ext uri="{FF2B5EF4-FFF2-40B4-BE49-F238E27FC236}">
+                    <a16:creationId xmlns:a16="http://schemas.microsoft.com/office/drawing/2014/main" id="{7DA158BD-E41D-1C49-BAE3-6AE2CF60AB16}"/>
+                  </a:ext>
+                </a:extLst>
+              </p:cNvPr>
+              <p:cNvCxnSpPr>
+                <a:cxnSpLocks/>
+                <a:stCxn id="7" idx="0"/>
+                <a:endCxn id="31" idx="2"/>
+              </p:cNvCxnSpPr>
+              <p:nvPr/>
+            </p:nvCxnSpPr>
+            <p:spPr>
+              <a:xfrm flipV="1">
+                <a:off x="3111345" y="3771900"/>
+                <a:ext cx="0" cy="714771"/>
+              </a:xfrm>
+              <a:prstGeom prst="straightConnector1">
+                <a:avLst/>
+              </a:prstGeom>
+              <a:ln>
+                <a:tailEnd type="triangle"/>
+              </a:ln>
+            </p:spPr>
+            <p:style>
+              <a:lnRef idx="1">
+                <a:schemeClr val="accent1"/>
+              </a:lnRef>
+              <a:fillRef idx="0">
+                <a:schemeClr val="accent1"/>
+              </a:fillRef>
+              <a:effectRef idx="0">
+                <a:schemeClr val="accent1"/>
+              </a:effectRef>
+              <a:fontRef idx="minor">
+                <a:schemeClr val="tx1"/>
+              </a:fontRef>
+            </p:style>
+          </p:cxnSp>
+        </p:grpSp>
+        <p:grpSp>
+          <p:nvGrpSpPr>
+            <p:cNvPr id="60" name="Group 59">
+              <a:extLst>
+                <a:ext uri="{FF2B5EF4-FFF2-40B4-BE49-F238E27FC236}">
+                  <a16:creationId xmlns:a16="http://schemas.microsoft.com/office/drawing/2014/main" id="{22C48F8E-18CB-7C4E-AB8B-779954DA5442}"/>
+                </a:ext>
+              </a:extLst>
+            </p:cNvPr>
+            <p:cNvGrpSpPr/>
+            <p:nvPr/>
+          </p:nvGrpSpPr>
+          <p:grpSpPr>
+            <a:xfrm>
+              <a:off x="3711453" y="3451860"/>
+              <a:ext cx="775335" cy="1419892"/>
+              <a:chOff x="3805237" y="3451860"/>
+              <a:chExt cx="775335" cy="1419892"/>
+            </a:xfrm>
+          </p:grpSpPr>
+          <p:sp>
+            <p:nvSpPr>
+              <p:cNvPr id="14" name="Rectangle 13">
+                <a:extLst>
+                  <a:ext uri="{FF2B5EF4-FFF2-40B4-BE49-F238E27FC236}">
+                    <a16:creationId xmlns:a16="http://schemas.microsoft.com/office/drawing/2014/main" id="{E450AC1A-B155-6C46-B1AF-5A59864A3E60}"/>
+                  </a:ext>
+                </a:extLst>
+              </p:cNvPr>
+              <p:cNvSpPr/>
+              <p:nvPr/>
+            </p:nvSpPr>
+            <p:spPr>
+              <a:xfrm>
+                <a:off x="4008120" y="4477373"/>
+                <a:ext cx="369570" cy="394379"/>
+              </a:xfrm>
+              <a:prstGeom prst="rect">
+                <a:avLst/>
+              </a:prstGeom>
+            </p:spPr>
+            <p:style>
+              <a:lnRef idx="2">
+                <a:schemeClr val="accent4"/>
+              </a:lnRef>
+              <a:fillRef idx="1">
+                <a:schemeClr val="lt1"/>
+              </a:fillRef>
+              <a:effectRef idx="0">
+                <a:schemeClr val="accent4"/>
+              </a:effectRef>
+              <a:fontRef idx="minor">
+                <a:schemeClr val="dk1"/>
+              </a:fontRef>
+            </p:style>
+            <p:txBody>
+              <a:bodyPr rtlCol="0" anchor="ctr"/>
+              <a:lstStyle/>
+              <a:p>
+                <a:pPr algn="ctr"/>
+                <a:r>
+                  <a:rPr lang="en-US" dirty="0"/>
+                  <a:t>,</a:t>
+                </a:r>
+              </a:p>
+            </p:txBody>
+          </p:sp>
+          <p:sp>
+            <p:nvSpPr>
+              <p:cNvPr id="30" name="Rounded Rectangle 29">
+                <a:extLst>
+                  <a:ext uri="{FF2B5EF4-FFF2-40B4-BE49-F238E27FC236}">
+                    <a16:creationId xmlns:a16="http://schemas.microsoft.com/office/drawing/2014/main" id="{48CE88B8-B295-6343-993B-65F8B9E33552}"/>
+                  </a:ext>
+                </a:extLst>
+              </p:cNvPr>
+              <p:cNvSpPr/>
+              <p:nvPr/>
+            </p:nvSpPr>
+            <p:spPr>
+              <a:xfrm>
+                <a:off x="3805237" y="3451860"/>
+                <a:ext cx="775335" cy="320040"/>
+              </a:xfrm>
+              <a:prstGeom prst="roundRect">
+                <a:avLst/>
+              </a:prstGeom>
+            </p:spPr>
+            <p:style>
+              <a:lnRef idx="3">
+                <a:schemeClr val="lt1"/>
+              </a:lnRef>
+              <a:fillRef idx="1">
+                <a:schemeClr val="accent2"/>
+              </a:fillRef>
+              <a:effectRef idx="1">
+                <a:schemeClr val="accent2"/>
+              </a:effectRef>
+              <a:fontRef idx="minor">
+                <a:schemeClr val="lt1"/>
+              </a:fontRef>
+            </p:style>
+            <p:txBody>
+              <a:bodyPr rtlCol="0" anchor="ctr"/>
+              <a:lstStyle/>
+              <a:p>
+                <a:pPr algn="ctr"/>
+                <a:r>
+                  <a:rPr lang="en-US" sz="1500" dirty="0"/>
+                  <a:t>LSTM</a:t>
+                </a:r>
+              </a:p>
+            </p:txBody>
+          </p:sp>
+          <p:cxnSp>
+            <p:nvCxnSpPr>
+              <p:cNvPr id="45" name="Straight Arrow Connector 44">
+                <a:extLst>
+                  <a:ext uri="{FF2B5EF4-FFF2-40B4-BE49-F238E27FC236}">
+                    <a16:creationId xmlns:a16="http://schemas.microsoft.com/office/drawing/2014/main" id="{2561804C-90EF-EA40-9CD7-07591686E0C4}"/>
+                  </a:ext>
+                </a:extLst>
+              </p:cNvPr>
+              <p:cNvCxnSpPr>
+                <a:endCxn id="30" idx="2"/>
+              </p:cNvCxnSpPr>
+              <p:nvPr/>
+            </p:nvCxnSpPr>
+            <p:spPr>
+              <a:xfrm flipV="1">
+                <a:off x="4192904" y="3771900"/>
+                <a:ext cx="1" cy="687379"/>
+              </a:xfrm>
+              <a:prstGeom prst="straightConnector1">
+                <a:avLst/>
+              </a:prstGeom>
+              <a:ln>
+                <a:tailEnd type="triangle"/>
+              </a:ln>
+            </p:spPr>
+            <p:style>
+              <a:lnRef idx="1">
+                <a:schemeClr val="accent1"/>
+              </a:lnRef>
+              <a:fillRef idx="0">
+                <a:schemeClr val="accent1"/>
+              </a:fillRef>
+              <a:effectRef idx="0">
+                <a:schemeClr val="accent1"/>
+              </a:effectRef>
+              <a:fontRef idx="minor">
+                <a:schemeClr val="tx1"/>
+              </a:fontRef>
+            </p:style>
+          </p:cxnSp>
+        </p:grpSp>
+        <p:grpSp>
+          <p:nvGrpSpPr>
+            <p:cNvPr id="61" name="Group 60">
+              <a:extLst>
+                <a:ext uri="{FF2B5EF4-FFF2-40B4-BE49-F238E27FC236}">
+                  <a16:creationId xmlns:a16="http://schemas.microsoft.com/office/drawing/2014/main" id="{1978736D-CDE2-BB41-87E1-180BFDB2AE8D}"/>
+                </a:ext>
+              </a:extLst>
+            </p:cNvPr>
+            <p:cNvGrpSpPr/>
+            <p:nvPr/>
+          </p:nvGrpSpPr>
+          <p:grpSpPr>
+            <a:xfrm>
+              <a:off x="4700587" y="3456448"/>
+              <a:ext cx="775335" cy="1415304"/>
+              <a:chOff x="4700587" y="3456448"/>
+              <a:chExt cx="775335" cy="1415304"/>
+            </a:xfrm>
+          </p:grpSpPr>
+          <p:sp>
+            <p:nvSpPr>
+              <p:cNvPr id="12" name="Rectangle 11">
+                <a:extLst>
+                  <a:ext uri="{FF2B5EF4-FFF2-40B4-BE49-F238E27FC236}">
+                    <a16:creationId xmlns:a16="http://schemas.microsoft.com/office/drawing/2014/main" id="{4AD7D2CB-D06F-794E-BD66-9B1A2440350E}"/>
+                  </a:ext>
+                </a:extLst>
+              </p:cNvPr>
+              <p:cNvSpPr/>
+              <p:nvPr/>
+            </p:nvSpPr>
+            <p:spPr>
+              <a:xfrm>
+                <a:off x="4884420" y="4477373"/>
+                <a:ext cx="407670" cy="394379"/>
+              </a:xfrm>
+              <a:prstGeom prst="rect">
+                <a:avLst/>
+              </a:prstGeom>
+            </p:spPr>
+            <p:style>
+              <a:lnRef idx="2">
+                <a:schemeClr val="accent4"/>
+              </a:lnRef>
+              <a:fillRef idx="1">
+                <a:schemeClr val="lt1"/>
+              </a:fillRef>
+              <a:effectRef idx="0">
+                <a:schemeClr val="accent4"/>
+              </a:effectRef>
+              <a:fontRef idx="minor">
+                <a:schemeClr val="dk1"/>
+              </a:fontRef>
+            </p:style>
+            <p:txBody>
+              <a:bodyPr rtlCol="0" anchor="ctr"/>
+              <a:lstStyle/>
+              <a:p>
+                <a:pPr algn="ctr"/>
+                <a:r>
+                  <a:rPr lang="en-US" dirty="0"/>
+                  <a:t>a</a:t>
+                </a:r>
+              </a:p>
+            </p:txBody>
+          </p:sp>
+          <p:sp>
+            <p:nvSpPr>
+              <p:cNvPr id="33" name="Rounded Rectangle 32">
+                <a:extLst>
+                  <a:ext uri="{FF2B5EF4-FFF2-40B4-BE49-F238E27FC236}">
+                    <a16:creationId xmlns:a16="http://schemas.microsoft.com/office/drawing/2014/main" id="{8A71D68D-0E78-CC47-979C-E1640263A1A0}"/>
+                  </a:ext>
+                </a:extLst>
+              </p:cNvPr>
+              <p:cNvSpPr/>
+              <p:nvPr/>
+            </p:nvSpPr>
+            <p:spPr>
+              <a:xfrm>
+                <a:off x="4700587" y="3456448"/>
+                <a:ext cx="775335" cy="320040"/>
+              </a:xfrm>
+              <a:prstGeom prst="roundRect">
+                <a:avLst/>
+              </a:prstGeom>
+            </p:spPr>
+            <p:style>
+              <a:lnRef idx="3">
+                <a:schemeClr val="lt1"/>
+              </a:lnRef>
+              <a:fillRef idx="1">
+                <a:schemeClr val="accent2"/>
+              </a:fillRef>
+              <a:effectRef idx="1">
+                <a:schemeClr val="accent2"/>
+              </a:effectRef>
+              <a:fontRef idx="minor">
+                <a:schemeClr val="lt1"/>
+              </a:fontRef>
+            </p:style>
+            <p:txBody>
+              <a:bodyPr rtlCol="0" anchor="ctr"/>
+              <a:lstStyle/>
+              <a:p>
+                <a:pPr algn="ctr"/>
+                <a:r>
+                  <a:rPr lang="en-US" sz="1500" dirty="0"/>
+                  <a:t>LSTM</a:t>
+                </a:r>
+              </a:p>
+            </p:txBody>
+          </p:sp>
+          <p:cxnSp>
+            <p:nvCxnSpPr>
+              <p:cNvPr id="47" name="Straight Arrow Connector 46">
+                <a:extLst>
+                  <a:ext uri="{FF2B5EF4-FFF2-40B4-BE49-F238E27FC236}">
+                    <a16:creationId xmlns:a16="http://schemas.microsoft.com/office/drawing/2014/main" id="{86BEE174-7900-2D45-8636-EFF2DE63F3AD}"/>
+                  </a:ext>
+                </a:extLst>
+              </p:cNvPr>
+              <p:cNvCxnSpPr>
+                <a:stCxn id="12" idx="0"/>
+                <a:endCxn id="33" idx="2"/>
+              </p:cNvCxnSpPr>
+              <p:nvPr/>
+            </p:nvCxnSpPr>
+            <p:spPr>
+              <a:xfrm flipV="1">
+                <a:off x="5088255" y="3776488"/>
+                <a:ext cx="0" cy="700885"/>
+              </a:xfrm>
+              <a:prstGeom prst="straightConnector1">
+                <a:avLst/>
+              </a:prstGeom>
+              <a:ln>
+                <a:tailEnd type="triangle"/>
+              </a:ln>
+            </p:spPr>
+            <p:style>
+              <a:lnRef idx="1">
+                <a:schemeClr val="accent1"/>
+              </a:lnRef>
+              <a:fillRef idx="0">
+                <a:schemeClr val="accent1"/>
+              </a:fillRef>
+              <a:effectRef idx="0">
+                <a:schemeClr val="accent1"/>
+              </a:effectRef>
+              <a:fontRef idx="minor">
+                <a:schemeClr val="tx1"/>
+              </a:fontRef>
+            </p:style>
+          </p:cxnSp>
+        </p:grpSp>
+        <p:grpSp>
+          <p:nvGrpSpPr>
+            <p:cNvPr id="62" name="Group 61">
+              <a:extLst>
+                <a:ext uri="{FF2B5EF4-FFF2-40B4-BE49-F238E27FC236}">
+                  <a16:creationId xmlns:a16="http://schemas.microsoft.com/office/drawing/2014/main" id="{F3695822-0F4E-3141-AEA9-CE2F6D7D8C1C}"/>
+                </a:ext>
+              </a:extLst>
+            </p:cNvPr>
+            <p:cNvGrpSpPr/>
+            <p:nvPr/>
+          </p:nvGrpSpPr>
+          <p:grpSpPr>
+            <a:xfrm>
+              <a:off x="5529299" y="3463583"/>
+              <a:ext cx="1097280" cy="1428135"/>
+              <a:chOff x="5470684" y="3451860"/>
+              <a:chExt cx="1097280" cy="1428135"/>
+            </a:xfrm>
+          </p:grpSpPr>
+          <p:sp>
+            <p:nvSpPr>
+              <p:cNvPr id="13" name="Rectangle 12">
+                <a:extLst>
+                  <a:ext uri="{FF2B5EF4-FFF2-40B4-BE49-F238E27FC236}">
+                    <a16:creationId xmlns:a16="http://schemas.microsoft.com/office/drawing/2014/main" id="{E73DB678-CAE9-CF47-92C9-1114AA53AB26}"/>
+                  </a:ext>
+                </a:extLst>
+              </p:cNvPr>
+              <p:cNvSpPr/>
+              <p:nvPr/>
+            </p:nvSpPr>
+            <p:spPr>
+              <a:xfrm>
+                <a:off x="5470684" y="4485616"/>
+                <a:ext cx="1097280" cy="394379"/>
+              </a:xfrm>
+              <a:prstGeom prst="rect">
+                <a:avLst/>
+              </a:prstGeom>
+            </p:spPr>
+            <p:style>
+              <a:lnRef idx="2">
+                <a:schemeClr val="accent4"/>
+              </a:lnRef>
+              <a:fillRef idx="1">
+                <a:schemeClr val="lt1"/>
+              </a:fillRef>
+              <a:effectRef idx="0">
+                <a:schemeClr val="accent4"/>
+              </a:effectRef>
+              <a:fontRef idx="minor">
+                <a:schemeClr val="dk1"/>
+              </a:fontRef>
+            </p:style>
+            <p:txBody>
+              <a:bodyPr rtlCol="0" anchor="ctr"/>
+              <a:lstStyle/>
+              <a:p>
+                <a:pPr algn="ctr"/>
+                <a:r>
+                  <a:rPr lang="en-US" dirty="0"/>
+                  <a:t>professor</a:t>
+                </a:r>
+              </a:p>
+            </p:txBody>
+          </p:sp>
+          <p:sp>
+            <p:nvSpPr>
+              <p:cNvPr id="34" name="Rounded Rectangle 33">
+                <a:extLst>
+                  <a:ext uri="{FF2B5EF4-FFF2-40B4-BE49-F238E27FC236}">
+                    <a16:creationId xmlns:a16="http://schemas.microsoft.com/office/drawing/2014/main" id="{4BB48331-0719-DE4C-A66E-A256AF2A8BEC}"/>
+                  </a:ext>
+                </a:extLst>
+              </p:cNvPr>
+              <p:cNvSpPr/>
+              <p:nvPr/>
+            </p:nvSpPr>
+            <p:spPr>
+              <a:xfrm>
+                <a:off x="5631656" y="3451860"/>
+                <a:ext cx="775335" cy="320040"/>
+              </a:xfrm>
+              <a:prstGeom prst="roundRect">
+                <a:avLst/>
+              </a:prstGeom>
+            </p:spPr>
+            <p:style>
+              <a:lnRef idx="3">
+                <a:schemeClr val="lt1"/>
+              </a:lnRef>
+              <a:fillRef idx="1">
+                <a:schemeClr val="accent2"/>
+              </a:fillRef>
+              <a:effectRef idx="1">
+                <a:schemeClr val="accent2"/>
+              </a:effectRef>
+              <a:fontRef idx="minor">
+                <a:schemeClr val="lt1"/>
+              </a:fontRef>
+            </p:style>
+            <p:txBody>
+              <a:bodyPr rtlCol="0" anchor="ctr"/>
+              <a:lstStyle/>
+              <a:p>
+                <a:pPr algn="ctr"/>
+                <a:r>
+                  <a:rPr lang="en-US" sz="1500" dirty="0"/>
+                  <a:t>LSTM</a:t>
+                </a:r>
+              </a:p>
+            </p:txBody>
+          </p:sp>
+          <p:cxnSp>
+            <p:nvCxnSpPr>
+              <p:cNvPr id="49" name="Straight Arrow Connector 48">
+                <a:extLst>
+                  <a:ext uri="{FF2B5EF4-FFF2-40B4-BE49-F238E27FC236}">
+                    <a16:creationId xmlns:a16="http://schemas.microsoft.com/office/drawing/2014/main" id="{CE41F3D5-1AEB-D447-A62D-BF7C48E343E5}"/>
+                  </a:ext>
+                </a:extLst>
+              </p:cNvPr>
+              <p:cNvCxnSpPr>
+                <a:endCxn id="34" idx="2"/>
+              </p:cNvCxnSpPr>
+              <p:nvPr/>
+            </p:nvCxnSpPr>
+            <p:spPr>
+              <a:xfrm flipV="1">
+                <a:off x="6019323" y="3771900"/>
+                <a:ext cx="1" cy="687379"/>
+              </a:xfrm>
+              <a:prstGeom prst="straightConnector1">
+                <a:avLst/>
+              </a:prstGeom>
+              <a:ln>
+                <a:tailEnd type="triangle"/>
+              </a:ln>
+            </p:spPr>
+            <p:style>
+              <a:lnRef idx="1">
+                <a:schemeClr val="accent1"/>
+              </a:lnRef>
+              <a:fillRef idx="0">
+                <a:schemeClr val="accent1"/>
+              </a:fillRef>
+              <a:effectRef idx="0">
+                <a:schemeClr val="accent1"/>
+              </a:effectRef>
+              <a:fontRef idx="minor">
+                <a:schemeClr val="tx1"/>
+              </a:fontRef>
+            </p:style>
+          </p:cxnSp>
+        </p:grpSp>
+        <p:grpSp>
+          <p:nvGrpSpPr>
+            <p:cNvPr id="63" name="Group 62">
+              <a:extLst>
+                <a:ext uri="{FF2B5EF4-FFF2-40B4-BE49-F238E27FC236}">
+                  <a16:creationId xmlns:a16="http://schemas.microsoft.com/office/drawing/2014/main" id="{F9ECB31F-6060-814B-B89E-759A110C9777}"/>
+                </a:ext>
+              </a:extLst>
+            </p:cNvPr>
+            <p:cNvGrpSpPr/>
+            <p:nvPr/>
+          </p:nvGrpSpPr>
+          <p:grpSpPr>
+            <a:xfrm>
+              <a:off x="7067716" y="3451860"/>
+              <a:ext cx="775335" cy="1431093"/>
+              <a:chOff x="7267007" y="3451860"/>
+              <a:chExt cx="775335" cy="1431093"/>
+            </a:xfrm>
+          </p:grpSpPr>
+          <p:sp>
+            <p:nvSpPr>
+              <p:cNvPr id="20" name="Rectangle 19">
+                <a:extLst>
+                  <a:ext uri="{FF2B5EF4-FFF2-40B4-BE49-F238E27FC236}">
+                    <a16:creationId xmlns:a16="http://schemas.microsoft.com/office/drawing/2014/main" id="{22443D30-CE9C-AD43-9A39-2B5506410EA0}"/>
+                  </a:ext>
+                </a:extLst>
+              </p:cNvPr>
+              <p:cNvSpPr/>
+              <p:nvPr/>
+            </p:nvSpPr>
+            <p:spPr>
+              <a:xfrm>
+                <a:off x="7382498" y="4488574"/>
+                <a:ext cx="544354" cy="394379"/>
+              </a:xfrm>
+              <a:prstGeom prst="rect">
+                <a:avLst/>
+              </a:prstGeom>
+            </p:spPr>
+            <p:style>
+              <a:lnRef idx="2">
+                <a:schemeClr val="accent4"/>
+              </a:lnRef>
+              <a:fillRef idx="1">
+                <a:schemeClr val="lt1"/>
+              </a:fillRef>
+              <a:effectRef idx="0">
+                <a:schemeClr val="accent4"/>
+              </a:effectRef>
+              <a:fontRef idx="minor">
+                <a:schemeClr val="dk1"/>
+              </a:fontRef>
+            </p:style>
+            <p:txBody>
+              <a:bodyPr rtlCol="0" anchor="ctr"/>
+              <a:lstStyle/>
+              <a:p>
+                <a:pPr algn="ctr"/>
+                <a:r>
+                  <a:rPr lang="en-US" dirty="0"/>
+                  <a:t>the</a:t>
+                </a:r>
+              </a:p>
+            </p:txBody>
+          </p:sp>
+          <p:sp>
+            <p:nvSpPr>
+              <p:cNvPr id="36" name="Rounded Rectangle 35">
+                <a:extLst>
+                  <a:ext uri="{FF2B5EF4-FFF2-40B4-BE49-F238E27FC236}">
+                    <a16:creationId xmlns:a16="http://schemas.microsoft.com/office/drawing/2014/main" id="{68E0ECB9-624B-234D-B3CD-616A46DCA345}"/>
+                  </a:ext>
+                </a:extLst>
+              </p:cNvPr>
+              <p:cNvSpPr/>
+              <p:nvPr/>
+            </p:nvSpPr>
+            <p:spPr>
+              <a:xfrm>
+                <a:off x="7267007" y="3451860"/>
+                <a:ext cx="775335" cy="320040"/>
+              </a:xfrm>
+              <a:prstGeom prst="roundRect">
+                <a:avLst/>
+              </a:prstGeom>
+            </p:spPr>
+            <p:style>
+              <a:lnRef idx="3">
+                <a:schemeClr val="lt1"/>
+              </a:lnRef>
+              <a:fillRef idx="1">
+                <a:schemeClr val="accent2"/>
+              </a:fillRef>
+              <a:effectRef idx="1">
+                <a:schemeClr val="accent2"/>
+              </a:effectRef>
+              <a:fontRef idx="minor">
+                <a:schemeClr val="lt1"/>
+              </a:fontRef>
+            </p:style>
+            <p:txBody>
+              <a:bodyPr rtlCol="0" anchor="ctr"/>
+              <a:lstStyle/>
+              <a:p>
+                <a:pPr algn="ctr"/>
+                <a:r>
+                  <a:rPr lang="en-US" sz="1500" dirty="0"/>
+                  <a:t>LSTM</a:t>
+                </a:r>
+              </a:p>
+            </p:txBody>
+          </p:sp>
+          <p:cxnSp>
+            <p:nvCxnSpPr>
+              <p:cNvPr id="51" name="Straight Arrow Connector 50">
+                <a:extLst>
+                  <a:ext uri="{FF2B5EF4-FFF2-40B4-BE49-F238E27FC236}">
+                    <a16:creationId xmlns:a16="http://schemas.microsoft.com/office/drawing/2014/main" id="{F292E063-6B83-3549-9BB3-6C08BE9CF32D}"/>
+                  </a:ext>
+                </a:extLst>
+              </p:cNvPr>
+              <p:cNvCxnSpPr>
+                <a:cxnSpLocks/>
+                <a:stCxn id="20" idx="0"/>
+                <a:endCxn id="36" idx="2"/>
+              </p:cNvCxnSpPr>
+              <p:nvPr/>
+            </p:nvCxnSpPr>
+            <p:spPr>
+              <a:xfrm flipV="1">
+                <a:off x="7654675" y="3771900"/>
+                <a:ext cx="0" cy="716674"/>
+              </a:xfrm>
+              <a:prstGeom prst="straightConnector1">
+                <a:avLst/>
+              </a:prstGeom>
+              <a:ln>
+                <a:tailEnd type="triangle"/>
+              </a:ln>
+            </p:spPr>
+            <p:style>
+              <a:lnRef idx="1">
+                <a:schemeClr val="accent1"/>
+              </a:lnRef>
+              <a:fillRef idx="0">
+                <a:schemeClr val="accent1"/>
+              </a:fillRef>
+              <a:effectRef idx="0">
+                <a:schemeClr val="accent1"/>
+              </a:effectRef>
+              <a:fontRef idx="minor">
+                <a:schemeClr val="tx1"/>
+              </a:fontRef>
+            </p:style>
+          </p:cxnSp>
+        </p:grpSp>
+        <p:grpSp>
+          <p:nvGrpSpPr>
+            <p:cNvPr id="64" name="Group 63">
+              <a:extLst>
+                <a:ext uri="{FF2B5EF4-FFF2-40B4-BE49-F238E27FC236}">
+                  <a16:creationId xmlns:a16="http://schemas.microsoft.com/office/drawing/2014/main" id="{277C3255-6740-AA4F-A827-633B3405CF14}"/>
+                </a:ext>
+              </a:extLst>
+            </p:cNvPr>
+            <p:cNvGrpSpPr/>
+            <p:nvPr/>
+          </p:nvGrpSpPr>
+          <p:grpSpPr>
+            <a:xfrm>
+              <a:off x="8063812" y="3451860"/>
+              <a:ext cx="811530" cy="1407494"/>
+              <a:chOff x="8251380" y="3451860"/>
+              <a:chExt cx="811530" cy="1407494"/>
+            </a:xfrm>
+          </p:grpSpPr>
+          <p:sp>
+            <p:nvSpPr>
+              <p:cNvPr id="9" name="Rounded Rectangle 8">
+                <a:extLst>
+                  <a:ext uri="{FF2B5EF4-FFF2-40B4-BE49-F238E27FC236}">
+                    <a16:creationId xmlns:a16="http://schemas.microsoft.com/office/drawing/2014/main" id="{AF9D15B9-6511-F540-A498-9EF2DC0AF648}"/>
+                  </a:ext>
+                </a:extLst>
+              </p:cNvPr>
+              <p:cNvSpPr/>
+              <p:nvPr/>
+            </p:nvSpPr>
+            <p:spPr>
+              <a:xfrm>
+                <a:off x="8251380" y="4506255"/>
+                <a:ext cx="811530" cy="353099"/>
+              </a:xfrm>
+              <a:prstGeom prst="roundRect">
+                <a:avLst/>
+              </a:prstGeom>
+            </p:spPr>
+            <p:style>
+              <a:lnRef idx="2">
+                <a:schemeClr val="accent1"/>
+              </a:lnRef>
+              <a:fillRef idx="1">
+                <a:schemeClr val="lt1"/>
+              </a:fillRef>
+              <a:effectRef idx="0">
+                <a:schemeClr val="accent1"/>
+              </a:effectRef>
+              <a:fontRef idx="minor">
+                <a:schemeClr val="dk1"/>
+              </a:fontRef>
+            </p:style>
+            <p:txBody>
+              <a:bodyPr rtlCol="0" anchor="ctr"/>
+              <a:lstStyle/>
+              <a:p>
+                <a:pPr algn="ctr"/>
+                <a:r>
+                  <a:rPr lang="en-US" dirty="0"/>
+                  <a:t>Fed</a:t>
+                </a:r>
+              </a:p>
+            </p:txBody>
+          </p:sp>
+          <p:sp>
+            <p:nvSpPr>
+              <p:cNvPr id="37" name="Rounded Rectangle 36">
+                <a:extLst>
+                  <a:ext uri="{FF2B5EF4-FFF2-40B4-BE49-F238E27FC236}">
+                    <a16:creationId xmlns:a16="http://schemas.microsoft.com/office/drawing/2014/main" id="{2AFB270C-4AF0-F447-B9D2-C350FC0D39CC}"/>
+                  </a:ext>
+                </a:extLst>
+              </p:cNvPr>
+              <p:cNvSpPr/>
+              <p:nvPr/>
+            </p:nvSpPr>
+            <p:spPr>
+              <a:xfrm>
+                <a:off x="8251745" y="3451860"/>
+                <a:ext cx="775335" cy="320040"/>
+              </a:xfrm>
+              <a:prstGeom prst="roundRect">
+                <a:avLst/>
+              </a:prstGeom>
+            </p:spPr>
+            <p:style>
+              <a:lnRef idx="3">
+                <a:schemeClr val="lt1"/>
+              </a:lnRef>
+              <a:fillRef idx="1">
+                <a:schemeClr val="accent2"/>
+              </a:fillRef>
+              <a:effectRef idx="1">
+                <a:schemeClr val="accent2"/>
+              </a:effectRef>
+              <a:fontRef idx="minor">
+                <a:schemeClr val="lt1"/>
+              </a:fontRef>
+            </p:style>
+            <p:txBody>
+              <a:bodyPr rtlCol="0" anchor="ctr"/>
+              <a:lstStyle/>
+              <a:p>
+                <a:pPr algn="ctr"/>
+                <a:r>
+                  <a:rPr lang="en-US" sz="1500" dirty="0"/>
+                  <a:t>LSTM</a:t>
+                </a:r>
+              </a:p>
+            </p:txBody>
+          </p:sp>
+          <p:cxnSp>
+            <p:nvCxnSpPr>
+              <p:cNvPr id="54" name="Straight Arrow Connector 53">
+                <a:extLst>
+                  <a:ext uri="{FF2B5EF4-FFF2-40B4-BE49-F238E27FC236}">
+                    <a16:creationId xmlns:a16="http://schemas.microsoft.com/office/drawing/2014/main" id="{6BFB061E-F8A1-3643-A059-FAB50C817014}"/>
+                  </a:ext>
+                </a:extLst>
+              </p:cNvPr>
+              <p:cNvCxnSpPr>
+                <a:stCxn id="9" idx="0"/>
+                <a:endCxn id="37" idx="2"/>
+              </p:cNvCxnSpPr>
+              <p:nvPr/>
+            </p:nvCxnSpPr>
+            <p:spPr>
+              <a:xfrm flipH="1" flipV="1">
+                <a:off x="8639413" y="3771900"/>
+                <a:ext cx="17732" cy="734355"/>
+              </a:xfrm>
+              <a:prstGeom prst="straightConnector1">
+                <a:avLst/>
+              </a:prstGeom>
+              <a:ln>
+                <a:tailEnd type="triangle"/>
+              </a:ln>
+            </p:spPr>
+            <p:style>
+              <a:lnRef idx="1">
+                <a:schemeClr val="accent1"/>
+              </a:lnRef>
+              <a:fillRef idx="0">
+                <a:schemeClr val="accent1"/>
+              </a:fillRef>
+              <a:effectRef idx="0">
+                <a:schemeClr val="accent1"/>
+              </a:effectRef>
+              <a:fontRef idx="minor">
+                <a:schemeClr val="tx1"/>
+              </a:fontRef>
+            </p:style>
+          </p:cxnSp>
+        </p:grpSp>
+        <p:grpSp>
+          <p:nvGrpSpPr>
+            <p:cNvPr id="65" name="Group 64">
+              <a:extLst>
+                <a:ext uri="{FF2B5EF4-FFF2-40B4-BE49-F238E27FC236}">
+                  <a16:creationId xmlns:a16="http://schemas.microsoft.com/office/drawing/2014/main" id="{76572697-9C87-CB42-BC1A-CE7B9C5ADA3D}"/>
+                </a:ext>
+              </a:extLst>
+            </p:cNvPr>
+            <p:cNvGrpSpPr/>
+            <p:nvPr/>
+          </p:nvGrpSpPr>
+          <p:grpSpPr>
+            <a:xfrm>
+              <a:off x="9060949" y="3451860"/>
+              <a:ext cx="775335" cy="1419892"/>
+              <a:chOff x="9283686" y="3451860"/>
+              <a:chExt cx="775335" cy="1419892"/>
+            </a:xfrm>
+          </p:grpSpPr>
+          <p:sp>
+            <p:nvSpPr>
+              <p:cNvPr id="21" name="Rectangle 20">
+                <a:extLst>
+                  <a:ext uri="{FF2B5EF4-FFF2-40B4-BE49-F238E27FC236}">
+                    <a16:creationId xmlns:a16="http://schemas.microsoft.com/office/drawing/2014/main" id="{5525C7EF-FE0B-5447-A80E-EA86E0107F2A}"/>
+                  </a:ext>
+                </a:extLst>
+              </p:cNvPr>
+              <p:cNvSpPr/>
+              <p:nvPr/>
+            </p:nvSpPr>
+            <p:spPr>
+              <a:xfrm>
+                <a:off x="9470432" y="4477373"/>
+                <a:ext cx="413624" cy="394379"/>
+              </a:xfrm>
+              <a:prstGeom prst="rect">
+                <a:avLst/>
+              </a:prstGeom>
+            </p:spPr>
+            <p:style>
+              <a:lnRef idx="2">
+                <a:schemeClr val="accent4"/>
+              </a:lnRef>
+              <a:fillRef idx="1">
+                <a:schemeClr val="lt1"/>
+              </a:fillRef>
+              <a:effectRef idx="0">
+                <a:schemeClr val="accent4"/>
+              </a:effectRef>
+              <a:fontRef idx="minor">
+                <a:schemeClr val="dk1"/>
+              </a:fontRef>
+            </p:style>
+            <p:txBody>
+              <a:bodyPr rtlCol="0" anchor="ctr"/>
+              <a:lstStyle/>
+              <a:p>
+                <a:pPr algn="ctr"/>
+                <a:r>
+                  <a:rPr lang="en-US" dirty="0"/>
+                  <a:t>‘s</a:t>
+                </a:r>
+              </a:p>
+            </p:txBody>
+          </p:sp>
+          <p:sp>
+            <p:nvSpPr>
+              <p:cNvPr id="38" name="Rounded Rectangle 37">
+                <a:extLst>
+                  <a:ext uri="{FF2B5EF4-FFF2-40B4-BE49-F238E27FC236}">
+                    <a16:creationId xmlns:a16="http://schemas.microsoft.com/office/drawing/2014/main" id="{1D3A4A4D-ECE3-BA46-86AE-A49C9E2C10FE}"/>
+                  </a:ext>
+                </a:extLst>
+              </p:cNvPr>
+              <p:cNvSpPr/>
+              <p:nvPr/>
+            </p:nvSpPr>
+            <p:spPr>
+              <a:xfrm>
+                <a:off x="9283686" y="3451860"/>
+                <a:ext cx="775335" cy="320040"/>
+              </a:xfrm>
+              <a:prstGeom prst="roundRect">
+                <a:avLst/>
+              </a:prstGeom>
+            </p:spPr>
+            <p:style>
+              <a:lnRef idx="3">
+                <a:schemeClr val="lt1"/>
+              </a:lnRef>
+              <a:fillRef idx="1">
+                <a:schemeClr val="accent2"/>
+              </a:fillRef>
+              <a:effectRef idx="1">
+                <a:schemeClr val="accent2"/>
+              </a:effectRef>
+              <a:fontRef idx="minor">
+                <a:schemeClr val="lt1"/>
+              </a:fontRef>
+            </p:style>
+            <p:txBody>
+              <a:bodyPr rtlCol="0" anchor="ctr"/>
+              <a:lstStyle/>
+              <a:p>
+                <a:pPr algn="ctr"/>
+                <a:r>
+                  <a:rPr lang="en-US" sz="1500" dirty="0"/>
+                  <a:t>LSTM</a:t>
+                </a:r>
+              </a:p>
+            </p:txBody>
+          </p:sp>
+          <p:cxnSp>
+            <p:nvCxnSpPr>
+              <p:cNvPr id="56" name="Straight Arrow Connector 55">
+                <a:extLst>
+                  <a:ext uri="{FF2B5EF4-FFF2-40B4-BE49-F238E27FC236}">
+                    <a16:creationId xmlns:a16="http://schemas.microsoft.com/office/drawing/2014/main" id="{93D92C82-5692-DF40-882C-11B8B5538B03}"/>
+                  </a:ext>
+                </a:extLst>
+              </p:cNvPr>
+              <p:cNvCxnSpPr>
+                <a:stCxn id="21" idx="0"/>
+                <a:endCxn id="38" idx="2"/>
+              </p:cNvCxnSpPr>
+              <p:nvPr/>
+            </p:nvCxnSpPr>
+            <p:spPr>
+              <a:xfrm flipH="1" flipV="1">
+                <a:off x="9671354" y="3771900"/>
+                <a:ext cx="5890" cy="705473"/>
+              </a:xfrm>
+              <a:prstGeom prst="straightConnector1">
+                <a:avLst/>
+              </a:prstGeom>
+              <a:ln>
+                <a:tailEnd type="triangle"/>
+              </a:ln>
+            </p:spPr>
+            <p:style>
+              <a:lnRef idx="1">
+                <a:schemeClr val="accent1"/>
+              </a:lnRef>
+              <a:fillRef idx="0">
+                <a:schemeClr val="accent1"/>
+              </a:fillRef>
+              <a:effectRef idx="0">
+                <a:schemeClr val="accent1"/>
+              </a:effectRef>
+              <a:fontRef idx="minor">
+                <a:schemeClr val="tx1"/>
+              </a:fontRef>
+            </p:style>
+          </p:cxnSp>
+        </p:grpSp>
+        <p:grpSp>
+          <p:nvGrpSpPr>
+            <p:cNvPr id="66" name="Group 65">
+              <a:extLst>
+                <a:ext uri="{FF2B5EF4-FFF2-40B4-BE49-F238E27FC236}">
+                  <a16:creationId xmlns:a16="http://schemas.microsoft.com/office/drawing/2014/main" id="{C1EA56AB-351E-934B-9705-5882ACE2A76A}"/>
+                </a:ext>
+              </a:extLst>
+            </p:cNvPr>
+            <p:cNvGrpSpPr/>
+            <p:nvPr/>
+          </p:nvGrpSpPr>
+          <p:grpSpPr>
+            <a:xfrm>
+              <a:off x="10060918" y="3453032"/>
+              <a:ext cx="775335" cy="1418720"/>
+              <a:chOff x="10295378" y="3453032"/>
+              <a:chExt cx="775335" cy="1418720"/>
+            </a:xfrm>
+          </p:grpSpPr>
+          <p:sp>
+            <p:nvSpPr>
+              <p:cNvPr id="22" name="Rectangle 21">
+                <a:extLst>
+                  <a:ext uri="{FF2B5EF4-FFF2-40B4-BE49-F238E27FC236}">
+                    <a16:creationId xmlns:a16="http://schemas.microsoft.com/office/drawing/2014/main" id="{7F68B833-6589-DE4E-B019-93B836CF1CB4}"/>
+                  </a:ext>
+                </a:extLst>
+              </p:cNvPr>
+              <p:cNvSpPr/>
+              <p:nvPr/>
+            </p:nvSpPr>
+            <p:spPr>
+              <a:xfrm>
+                <a:off x="10376406" y="4477373"/>
+                <a:ext cx="633650" cy="394379"/>
+              </a:xfrm>
+              <a:prstGeom prst="rect">
+                <a:avLst/>
+              </a:prstGeom>
+            </p:spPr>
+            <p:style>
+              <a:lnRef idx="2">
+                <a:schemeClr val="accent4"/>
+              </a:lnRef>
+              <a:fillRef idx="1">
+                <a:schemeClr val="lt1"/>
+              </a:fillRef>
+              <a:effectRef idx="0">
+                <a:schemeClr val="accent4"/>
+              </a:effectRef>
+              <a:fontRef idx="minor">
+                <a:schemeClr val="dk1"/>
+              </a:fontRef>
+            </p:style>
+            <p:txBody>
+              <a:bodyPr rtlCol="0" anchor="ctr"/>
+              <a:lstStyle/>
+              <a:p>
+                <a:pPr algn="ctr"/>
+                <a:r>
+                  <a:rPr lang="en-US" dirty="0"/>
+                  <a:t>rate</a:t>
+                </a:r>
+              </a:p>
+            </p:txBody>
+          </p:sp>
+          <p:sp>
+            <p:nvSpPr>
+              <p:cNvPr id="39" name="Rounded Rectangle 38">
+                <a:extLst>
+                  <a:ext uri="{FF2B5EF4-FFF2-40B4-BE49-F238E27FC236}">
+                    <a16:creationId xmlns:a16="http://schemas.microsoft.com/office/drawing/2014/main" id="{66DF8246-2D88-BF49-9CA0-4B7EEF47055F}"/>
+                  </a:ext>
+                </a:extLst>
+              </p:cNvPr>
+              <p:cNvSpPr/>
+              <p:nvPr/>
+            </p:nvSpPr>
+            <p:spPr>
+              <a:xfrm>
+                <a:off x="10295378" y="3453032"/>
+                <a:ext cx="775335" cy="320040"/>
+              </a:xfrm>
+              <a:prstGeom prst="roundRect">
+                <a:avLst/>
+              </a:prstGeom>
+            </p:spPr>
+            <p:style>
+              <a:lnRef idx="3">
+                <a:schemeClr val="lt1"/>
+              </a:lnRef>
+              <a:fillRef idx="1">
+                <a:schemeClr val="accent2"/>
+              </a:fillRef>
+              <a:effectRef idx="1">
+                <a:schemeClr val="accent2"/>
+              </a:effectRef>
+              <a:fontRef idx="minor">
+                <a:schemeClr val="lt1"/>
+              </a:fontRef>
+            </p:style>
+            <p:txBody>
+              <a:bodyPr rtlCol="0" anchor="ctr"/>
+              <a:lstStyle/>
+              <a:p>
+                <a:pPr algn="ctr"/>
+                <a:r>
+                  <a:rPr lang="en-US" sz="1500" dirty="0"/>
+                  <a:t>LSTM</a:t>
+                </a:r>
+              </a:p>
+            </p:txBody>
+          </p:sp>
+          <p:cxnSp>
+            <p:nvCxnSpPr>
+              <p:cNvPr id="58" name="Straight Arrow Connector 57">
+                <a:extLst>
+                  <a:ext uri="{FF2B5EF4-FFF2-40B4-BE49-F238E27FC236}">
+                    <a16:creationId xmlns:a16="http://schemas.microsoft.com/office/drawing/2014/main" id="{87B5D107-255B-E346-81AE-02665E7763D6}"/>
+                  </a:ext>
+                </a:extLst>
+              </p:cNvPr>
+              <p:cNvCxnSpPr>
+                <a:stCxn id="22" idx="0"/>
+                <a:endCxn id="39" idx="2"/>
+              </p:cNvCxnSpPr>
+              <p:nvPr/>
+            </p:nvCxnSpPr>
+            <p:spPr>
+              <a:xfrm flipH="1" flipV="1">
+                <a:off x="10683046" y="3773072"/>
+                <a:ext cx="10185" cy="704301"/>
+              </a:xfrm>
+              <a:prstGeom prst="straightConnector1">
+                <a:avLst/>
+              </a:prstGeom>
+              <a:ln>
+                <a:tailEnd type="triangle"/>
+              </a:ln>
+            </p:spPr>
+            <p:style>
+              <a:lnRef idx="1">
+                <a:schemeClr val="accent1"/>
+              </a:lnRef>
+              <a:fillRef idx="0">
+                <a:schemeClr val="accent1"/>
+              </a:fillRef>
+              <a:effectRef idx="0">
+                <a:schemeClr val="accent1"/>
+              </a:effectRef>
+              <a:fontRef idx="minor">
+                <a:schemeClr val="tx1"/>
+              </a:fontRef>
+            </p:style>
+          </p:cxnSp>
+        </p:grpSp>
+        <p:cxnSp>
+          <p:nvCxnSpPr>
+            <p:cNvPr id="68" name="Straight Arrow Connector 67">
+              <a:extLst>
+                <a:ext uri="{FF2B5EF4-FFF2-40B4-BE49-F238E27FC236}">
+                  <a16:creationId xmlns:a16="http://schemas.microsoft.com/office/drawing/2014/main" id="{712DCEC3-6CD7-B843-93BA-574ADA73896B}"/>
+                </a:ext>
+              </a:extLst>
+            </p:cNvPr>
+            <p:cNvCxnSpPr>
+              <a:cxnSpLocks/>
+              <a:stCxn id="31" idx="3"/>
+              <a:endCxn id="30" idx="1"/>
+            </p:cNvCxnSpPr>
+            <p:nvPr/>
+          </p:nvCxnSpPr>
+          <p:spPr>
+            <a:xfrm>
+              <a:off x="3452120" y="3611880"/>
+              <a:ext cx="259333" cy="0"/>
+            </a:xfrm>
+            <a:prstGeom prst="straightConnector1">
+              <a:avLst/>
+            </a:prstGeom>
+            <a:ln>
+              <a:tailEnd type="triangle"/>
+            </a:ln>
+          </p:spPr>
+          <p:style>
+            <a:lnRef idx="1">
+              <a:schemeClr val="accent1"/>
+            </a:lnRef>
+            <a:fillRef idx="0">
+              <a:schemeClr val="accent1"/>
+            </a:fillRef>
+            <a:effectRef idx="0">
+              <a:schemeClr val="accent1"/>
+            </a:effectRef>
+            <a:fontRef idx="minor">
+              <a:schemeClr val="tx1"/>
+            </a:fontRef>
+          </p:style>
+        </p:cxnSp>
+        <p:cxnSp>
+          <p:nvCxnSpPr>
+            <p:cNvPr id="70" name="Straight Arrow Connector 69">
+              <a:extLst>
+                <a:ext uri="{FF2B5EF4-FFF2-40B4-BE49-F238E27FC236}">
+                  <a16:creationId xmlns:a16="http://schemas.microsoft.com/office/drawing/2014/main" id="{FE8927B8-E253-9B44-9E87-C08D7BAF2AEA}"/>
+                </a:ext>
+              </a:extLst>
+            </p:cNvPr>
+            <p:cNvCxnSpPr>
+              <a:cxnSpLocks/>
+              <a:stCxn id="30" idx="3"/>
+              <a:endCxn id="33" idx="1"/>
+            </p:cNvCxnSpPr>
+            <p:nvPr/>
+          </p:nvCxnSpPr>
+          <p:spPr>
+            <a:xfrm>
+              <a:off x="4486788" y="3611880"/>
+              <a:ext cx="213799" cy="4588"/>
+            </a:xfrm>
+            <a:prstGeom prst="straightConnector1">
+              <a:avLst/>
+            </a:prstGeom>
+            <a:ln>
+              <a:tailEnd type="triangle"/>
+            </a:ln>
+          </p:spPr>
+          <p:style>
+            <a:lnRef idx="1">
+              <a:schemeClr val="accent1"/>
+            </a:lnRef>
+            <a:fillRef idx="0">
+              <a:schemeClr val="accent1"/>
+            </a:fillRef>
+            <a:effectRef idx="0">
+              <a:schemeClr val="accent1"/>
+            </a:effectRef>
+            <a:fontRef idx="minor">
+              <a:schemeClr val="tx1"/>
+            </a:fontRef>
+          </p:style>
+        </p:cxnSp>
+        <p:cxnSp>
+          <p:nvCxnSpPr>
+            <p:cNvPr id="72" name="Straight Arrow Connector 71">
+              <a:extLst>
+                <a:ext uri="{FF2B5EF4-FFF2-40B4-BE49-F238E27FC236}">
+                  <a16:creationId xmlns:a16="http://schemas.microsoft.com/office/drawing/2014/main" id="{AEEBEAC8-6B65-704C-B496-26916CDFE4D4}"/>
+                </a:ext>
+              </a:extLst>
+            </p:cNvPr>
+            <p:cNvCxnSpPr>
+              <a:cxnSpLocks/>
+              <a:stCxn id="33" idx="3"/>
+              <a:endCxn id="34" idx="1"/>
+            </p:cNvCxnSpPr>
+            <p:nvPr/>
+          </p:nvCxnSpPr>
+          <p:spPr>
+            <a:xfrm>
+              <a:off x="5475922" y="3616468"/>
+              <a:ext cx="214349" cy="7135"/>
+            </a:xfrm>
+            <a:prstGeom prst="straightConnector1">
+              <a:avLst/>
+            </a:prstGeom>
+            <a:ln>
+              <a:tailEnd type="triangle"/>
+            </a:ln>
+          </p:spPr>
+          <p:style>
+            <a:lnRef idx="1">
+              <a:schemeClr val="accent1"/>
+            </a:lnRef>
+            <a:fillRef idx="0">
+              <a:schemeClr val="accent1"/>
+            </a:fillRef>
+            <a:effectRef idx="0">
+              <a:schemeClr val="accent1"/>
+            </a:effectRef>
+            <a:fontRef idx="minor">
+              <a:schemeClr val="tx1"/>
+            </a:fontRef>
+          </p:style>
+        </p:cxnSp>
+        <p:cxnSp>
+          <p:nvCxnSpPr>
+            <p:cNvPr id="74" name="Straight Arrow Connector 73">
+              <a:extLst>
+                <a:ext uri="{FF2B5EF4-FFF2-40B4-BE49-F238E27FC236}">
+                  <a16:creationId xmlns:a16="http://schemas.microsoft.com/office/drawing/2014/main" id="{96D7CC0F-2B28-3E4A-9AE7-F648DD01F143}"/>
+                </a:ext>
+              </a:extLst>
+            </p:cNvPr>
+            <p:cNvCxnSpPr>
+              <a:cxnSpLocks/>
+              <a:stCxn id="34" idx="3"/>
+              <a:endCxn id="36" idx="1"/>
+            </p:cNvCxnSpPr>
+            <p:nvPr/>
+          </p:nvCxnSpPr>
+          <p:spPr>
+            <a:xfrm flipV="1">
+              <a:off x="6465606" y="3611880"/>
+              <a:ext cx="602110" cy="11723"/>
+            </a:xfrm>
+            <a:prstGeom prst="straightConnector1">
+              <a:avLst/>
+            </a:prstGeom>
+            <a:ln>
+              <a:tailEnd type="triangle"/>
+            </a:ln>
+          </p:spPr>
+          <p:style>
+            <a:lnRef idx="1">
+              <a:schemeClr val="accent1"/>
+            </a:lnRef>
+            <a:fillRef idx="0">
+              <a:schemeClr val="accent1"/>
+            </a:fillRef>
+            <a:effectRef idx="0">
+              <a:schemeClr val="accent1"/>
+            </a:effectRef>
+            <a:fontRef idx="minor">
+              <a:schemeClr val="tx1"/>
+            </a:fontRef>
+          </p:style>
+        </p:cxnSp>
+        <p:cxnSp>
+          <p:nvCxnSpPr>
+            <p:cNvPr id="76" name="Straight Arrow Connector 75">
+              <a:extLst>
+                <a:ext uri="{FF2B5EF4-FFF2-40B4-BE49-F238E27FC236}">
+                  <a16:creationId xmlns:a16="http://schemas.microsoft.com/office/drawing/2014/main" id="{82B4074C-4457-A64C-8F87-F549558CDD65}"/>
+                </a:ext>
+              </a:extLst>
+            </p:cNvPr>
+            <p:cNvCxnSpPr>
+              <a:cxnSpLocks/>
+              <a:stCxn id="36" idx="3"/>
+              <a:endCxn id="37" idx="1"/>
+            </p:cNvCxnSpPr>
+            <p:nvPr/>
+          </p:nvCxnSpPr>
+          <p:spPr>
+            <a:xfrm>
+              <a:off x="7843051" y="3611880"/>
+              <a:ext cx="221126" cy="0"/>
+            </a:xfrm>
+            <a:prstGeom prst="straightConnector1">
+              <a:avLst/>
+            </a:prstGeom>
+            <a:ln>
+              <a:tailEnd type="triangle"/>
+            </a:ln>
+          </p:spPr>
+          <p:style>
+            <a:lnRef idx="1">
+              <a:schemeClr val="accent1"/>
+            </a:lnRef>
+            <a:fillRef idx="0">
+              <a:schemeClr val="accent1"/>
+            </a:fillRef>
+            <a:effectRef idx="0">
+              <a:schemeClr val="accent1"/>
+            </a:effectRef>
+            <a:fontRef idx="minor">
+              <a:schemeClr val="tx1"/>
+            </a:fontRef>
+          </p:style>
+        </p:cxnSp>
+        <p:cxnSp>
+          <p:nvCxnSpPr>
+            <p:cNvPr id="78" name="Straight Arrow Connector 77">
+              <a:extLst>
+                <a:ext uri="{FF2B5EF4-FFF2-40B4-BE49-F238E27FC236}">
+                  <a16:creationId xmlns:a16="http://schemas.microsoft.com/office/drawing/2014/main" id="{89E10628-8EA1-BE42-AE9F-B0ED0D726722}"/>
+                </a:ext>
+              </a:extLst>
+            </p:cNvPr>
+            <p:cNvCxnSpPr>
+              <a:cxnSpLocks/>
+              <a:stCxn id="37" idx="3"/>
+              <a:endCxn id="38" idx="1"/>
+            </p:cNvCxnSpPr>
+            <p:nvPr/>
+          </p:nvCxnSpPr>
+          <p:spPr>
+            <a:xfrm>
+              <a:off x="8839512" y="3611880"/>
+              <a:ext cx="221437" cy="0"/>
+            </a:xfrm>
+            <a:prstGeom prst="straightConnector1">
+              <a:avLst/>
+            </a:prstGeom>
+            <a:ln>
+              <a:tailEnd type="triangle"/>
+            </a:ln>
+          </p:spPr>
+          <p:style>
+            <a:lnRef idx="1">
+              <a:schemeClr val="accent1"/>
+            </a:lnRef>
+            <a:fillRef idx="0">
+              <a:schemeClr val="accent1"/>
+            </a:fillRef>
+            <a:effectRef idx="0">
+              <a:schemeClr val="accent1"/>
+            </a:effectRef>
+            <a:fontRef idx="minor">
+              <a:schemeClr val="tx1"/>
+            </a:fontRef>
+          </p:style>
+        </p:cxnSp>
+        <p:cxnSp>
+          <p:nvCxnSpPr>
+            <p:cNvPr id="80" name="Straight Arrow Connector 79">
+              <a:extLst>
+                <a:ext uri="{FF2B5EF4-FFF2-40B4-BE49-F238E27FC236}">
+                  <a16:creationId xmlns:a16="http://schemas.microsoft.com/office/drawing/2014/main" id="{34543F0B-A9DB-BB4A-A0C3-01281E8D4F57}"/>
+                </a:ext>
+              </a:extLst>
+            </p:cNvPr>
+            <p:cNvCxnSpPr>
+              <a:cxnSpLocks/>
+              <a:stCxn id="38" idx="3"/>
+              <a:endCxn id="39" idx="1"/>
+            </p:cNvCxnSpPr>
+            <p:nvPr/>
+          </p:nvCxnSpPr>
+          <p:spPr>
+            <a:xfrm>
+              <a:off x="9836284" y="3611880"/>
+              <a:ext cx="224634" cy="1172"/>
+            </a:xfrm>
+            <a:prstGeom prst="straightConnector1">
+              <a:avLst/>
+            </a:prstGeom>
+            <a:ln>
+              <a:tailEnd type="triangle"/>
+            </a:ln>
+          </p:spPr>
+          <p:style>
+            <a:lnRef idx="1">
+              <a:schemeClr val="accent1"/>
+            </a:lnRef>
+            <a:fillRef idx="0">
+              <a:schemeClr val="accent1"/>
+            </a:fillRef>
+            <a:effectRef idx="0">
+              <a:schemeClr val="accent1"/>
+            </a:effectRef>
+            <a:fontRef idx="minor">
+              <a:schemeClr val="tx1"/>
+            </a:fontRef>
+          </p:style>
+        </p:cxnSp>
+        <p:sp>
+          <p:nvSpPr>
+            <p:cNvPr id="81" name="Oval 80">
+              <a:extLst>
+                <a:ext uri="{FF2B5EF4-FFF2-40B4-BE49-F238E27FC236}">
+                  <a16:creationId xmlns:a16="http://schemas.microsoft.com/office/drawing/2014/main" id="{555D40A2-B327-2B41-A767-BEDB6FECA6DE}"/>
+                </a:ext>
+              </a:extLst>
+            </p:cNvPr>
+            <p:cNvSpPr/>
+            <p:nvPr/>
+          </p:nvSpPr>
+          <p:spPr>
+            <a:xfrm>
+              <a:off x="6669514" y="2910782"/>
+              <a:ext cx="316523" cy="316523"/>
+            </a:xfrm>
+            <a:prstGeom prst="ellipse">
+              <a:avLst/>
+            </a:prstGeom>
+          </p:spPr>
+          <p:style>
+            <a:lnRef idx="2">
+              <a:schemeClr val="accent1">
+                <a:shade val="50000"/>
+              </a:schemeClr>
+            </a:lnRef>
+            <a:fillRef idx="1">
+              <a:schemeClr val="accent1"/>
+            </a:fillRef>
+            <a:effectRef idx="0">
+              <a:schemeClr val="accent1"/>
+            </a:effectRef>
+            <a:fontRef idx="minor">
+              <a:schemeClr val="lt1"/>
+            </a:fontRef>
+          </p:style>
+          <p:txBody>
+            <a:bodyPr rtlCol="0" anchor="ctr"/>
+            <a:lstStyle/>
+            <a:p>
+              <a:pPr algn="ctr"/>
+              <a:r>
+                <a:rPr lang="en-US" altLang="zh-CN" dirty="0"/>
+                <a:t>+</a:t>
+              </a:r>
+              <a:endParaRPr lang="en-US" dirty="0"/>
+            </a:p>
+          </p:txBody>
+        </p:sp>
+        <p:cxnSp>
+          <p:nvCxnSpPr>
+            <p:cNvPr id="83" name="Elbow Connector 82">
+              <a:extLst>
+                <a:ext uri="{FF2B5EF4-FFF2-40B4-BE49-F238E27FC236}">
+                  <a16:creationId xmlns:a16="http://schemas.microsoft.com/office/drawing/2014/main" id="{DAB9B2ED-558E-0549-BAE6-D2FCDF55442D}"/>
+                </a:ext>
+              </a:extLst>
+            </p:cNvPr>
+            <p:cNvCxnSpPr>
+              <a:stCxn id="31" idx="0"/>
+              <a:endCxn id="81" idx="2"/>
+            </p:cNvCxnSpPr>
+            <p:nvPr/>
+          </p:nvCxnSpPr>
+          <p:spPr>
+            <a:xfrm rot="5400000" flipH="1" flipV="1">
+              <a:off x="4675575" y="1457922"/>
+              <a:ext cx="382816" cy="3605061"/>
+            </a:xfrm>
+            <a:prstGeom prst="bentConnector2">
+              <a:avLst/>
+            </a:prstGeom>
+            <a:ln>
+              <a:tailEnd type="triangle"/>
+            </a:ln>
+          </p:spPr>
+          <p:style>
+            <a:lnRef idx="1">
+              <a:schemeClr val="accent1"/>
+            </a:lnRef>
+            <a:fillRef idx="0">
+              <a:schemeClr val="accent1"/>
+            </a:fillRef>
+            <a:effectRef idx="0">
+              <a:schemeClr val="accent1"/>
+            </a:effectRef>
+            <a:fontRef idx="minor">
+              <a:schemeClr val="tx1"/>
+            </a:fontRef>
+          </p:style>
+        </p:cxnSp>
+        <p:cxnSp>
+          <p:nvCxnSpPr>
+            <p:cNvPr id="85" name="Elbow Connector 84">
+              <a:extLst>
+                <a:ext uri="{FF2B5EF4-FFF2-40B4-BE49-F238E27FC236}">
+                  <a16:creationId xmlns:a16="http://schemas.microsoft.com/office/drawing/2014/main" id="{9F69975E-E72D-4648-93EA-D6DD633AC93E}"/>
+                </a:ext>
+              </a:extLst>
+            </p:cNvPr>
+            <p:cNvCxnSpPr>
+              <a:stCxn id="37" idx="0"/>
+              <a:endCxn id="81" idx="6"/>
+            </p:cNvCxnSpPr>
+            <p:nvPr/>
+          </p:nvCxnSpPr>
+          <p:spPr>
+            <a:xfrm rot="16200000" flipV="1">
+              <a:off x="7527533" y="2527548"/>
+              <a:ext cx="382816" cy="1465808"/>
+            </a:xfrm>
+            <a:prstGeom prst="bentConnector2">
+              <a:avLst/>
+            </a:prstGeom>
+            <a:ln>
+              <a:tailEnd type="triangle"/>
+            </a:ln>
+          </p:spPr>
+          <p:style>
+            <a:lnRef idx="1">
+              <a:schemeClr val="accent1"/>
+            </a:lnRef>
+            <a:fillRef idx="0">
+              <a:schemeClr val="accent1"/>
+            </a:fillRef>
+            <a:effectRef idx="0">
+              <a:schemeClr val="accent1"/>
+            </a:effectRef>
+            <a:fontRef idx="minor">
+              <a:schemeClr val="tx1"/>
+            </a:fontRef>
+          </p:style>
+        </p:cxnSp>
+        <p:cxnSp>
+          <p:nvCxnSpPr>
+            <p:cNvPr id="89" name="Straight Arrow Connector 88">
+              <a:extLst>
+                <a:ext uri="{FF2B5EF4-FFF2-40B4-BE49-F238E27FC236}">
+                  <a16:creationId xmlns:a16="http://schemas.microsoft.com/office/drawing/2014/main" id="{0913A302-8463-2941-A3A8-27DF763C677F}"/>
+                </a:ext>
+              </a:extLst>
+            </p:cNvPr>
+            <p:cNvCxnSpPr/>
+            <p:nvPr/>
+          </p:nvCxnSpPr>
+          <p:spPr>
+            <a:xfrm flipV="1">
+              <a:off x="6816052" y="2634484"/>
+              <a:ext cx="0" cy="276298"/>
+            </a:xfrm>
+            <a:prstGeom prst="straightConnector1">
+              <a:avLst/>
+            </a:prstGeom>
+            <a:ln>
+              <a:tailEnd type="triangle"/>
+            </a:ln>
+          </p:spPr>
+          <p:style>
+            <a:lnRef idx="1">
+              <a:schemeClr val="accent1"/>
+            </a:lnRef>
+            <a:fillRef idx="0">
+              <a:schemeClr val="accent1"/>
+            </a:fillRef>
+            <a:effectRef idx="0">
+              <a:schemeClr val="accent1"/>
+            </a:effectRef>
+            <a:fontRef idx="minor">
+              <a:schemeClr val="tx1"/>
+            </a:fontRef>
+          </p:style>
+        </p:cxnSp>
+        <p:sp>
+          <p:nvSpPr>
+            <p:cNvPr id="90" name="TextBox 89">
+              <a:extLst>
+                <a:ext uri="{FF2B5EF4-FFF2-40B4-BE49-F238E27FC236}">
+                  <a16:creationId xmlns:a16="http://schemas.microsoft.com/office/drawing/2014/main" id="{41865E91-059D-9443-A6A0-AAACC61C3447}"/>
+                </a:ext>
+              </a:extLst>
+            </p:cNvPr>
+            <p:cNvSpPr txBox="1"/>
+            <p:nvPr/>
+          </p:nvSpPr>
+          <p:spPr>
+            <a:xfrm>
+              <a:off x="6669514" y="2308278"/>
+              <a:ext cx="280952" cy="369332"/>
+            </a:xfrm>
+            <a:prstGeom prst="rect">
+              <a:avLst/>
+            </a:prstGeom>
+            <a:noFill/>
+          </p:spPr>
+          <p:txBody>
+            <a:bodyPr wrap="square" rtlCol="0">
+              <a:spAutoFit/>
+            </a:bodyPr>
+            <a:lstStyle/>
+            <a:p>
+              <a:r>
+                <a:rPr lang="en-US" altLang="zh-CN" dirty="0"/>
+                <a:t>1</a:t>
+              </a:r>
+              <a:endParaRPr lang="en-US" dirty="0"/>
+            </a:p>
+          </p:txBody>
+        </p:sp>
+        <p:sp>
+          <p:nvSpPr>
+            <p:cNvPr id="91" name="TextBox 90">
+              <a:extLst>
+                <a:ext uri="{FF2B5EF4-FFF2-40B4-BE49-F238E27FC236}">
+                  <a16:creationId xmlns:a16="http://schemas.microsoft.com/office/drawing/2014/main" id="{09A19E7E-9DCB-2E44-9A0F-09DD50DC6F37}"/>
+                </a:ext>
+              </a:extLst>
+            </p:cNvPr>
+            <p:cNvSpPr txBox="1"/>
+            <p:nvPr/>
+          </p:nvSpPr>
+          <p:spPr>
+            <a:xfrm>
+              <a:off x="775574" y="3451860"/>
+              <a:ext cx="1500903" cy="307777"/>
+            </a:xfrm>
+            <a:prstGeom prst="rect">
+              <a:avLst/>
+            </a:prstGeom>
+            <a:noFill/>
+          </p:spPr>
+          <p:txBody>
+            <a:bodyPr wrap="square" rtlCol="0">
+              <a:spAutoFit/>
+            </a:bodyPr>
+            <a:lstStyle/>
+            <a:p>
+              <a:r>
+                <a:rPr lang="en-US" sz="1400" dirty="0"/>
+                <a:t>LSTM layer </a:t>
+              </a:r>
+            </a:p>
+          </p:txBody>
+        </p:sp>
+        <p:sp>
+          <p:nvSpPr>
+            <p:cNvPr id="92" name="TextBox 91">
+              <a:extLst>
+                <a:ext uri="{FF2B5EF4-FFF2-40B4-BE49-F238E27FC236}">
+                  <a16:creationId xmlns:a16="http://schemas.microsoft.com/office/drawing/2014/main" id="{AACEF83E-5333-254D-B082-8E49E5EBC6D1}"/>
+                </a:ext>
+              </a:extLst>
+            </p:cNvPr>
+            <p:cNvSpPr txBox="1"/>
+            <p:nvPr/>
+          </p:nvSpPr>
+          <p:spPr>
+            <a:xfrm>
+              <a:off x="775573" y="2634484"/>
+              <a:ext cx="1500903" cy="307777"/>
+            </a:xfrm>
+            <a:prstGeom prst="rect">
+              <a:avLst/>
+            </a:prstGeom>
+            <a:noFill/>
+          </p:spPr>
+          <p:txBody>
+            <a:bodyPr wrap="square" rtlCol="0">
+              <a:spAutoFit/>
+            </a:bodyPr>
+            <a:lstStyle/>
+            <a:p>
+              <a:r>
+                <a:rPr lang="en-US" sz="1400" dirty="0"/>
+                <a:t>prediction layer </a:t>
+              </a:r>
+            </a:p>
+          </p:txBody>
+        </p:sp>
+      </p:grpSp>
+    </p:spTree>
+    <p:extLst>
+      <p:ext uri="{BB962C8B-B14F-4D97-AF65-F5344CB8AC3E}">
+        <p14:creationId xmlns:p14="http://schemas.microsoft.com/office/powerpoint/2010/main" val="3139233305"/>
+      </p:ext>
+    </p:extLst>
+  </p:cSld>
+  <p:clrMapOvr>
+    <a:masterClrMapping/>
+  </p:clrMapOvr>
+</p:sld>
+</file>
+
 <file path=ppt/theme/theme1.xml><?xml version="1.0" encoding="utf-8"?>
 <a:theme xmlns:a="http://schemas.openxmlformats.org/drawingml/2006/main" name="Office Theme">
   <a:themeElements>

--- a/doc/CONLL18/graphs.pptx
+++ b/doc/CONLL18/graphs.pptx
@@ -262,7 +262,7 @@
           <a:p>
             <a:fld id="{DFAE126E-B4C2-8D4D-9F24-C13BDCAABB05}" type="datetimeFigureOut">
               <a:rPr lang="en-US" smtClean="0"/>
-              <a:t>6/6/18</a:t>
+              <a:t>7/8/18</a:t>
             </a:fld>
             <a:endParaRPr lang="en-US"/>
           </a:p>
@@ -460,7 +460,7 @@
           <a:p>
             <a:fld id="{DFAE126E-B4C2-8D4D-9F24-C13BDCAABB05}" type="datetimeFigureOut">
               <a:rPr lang="en-US" smtClean="0"/>
-              <a:t>6/6/18</a:t>
+              <a:t>7/8/18</a:t>
             </a:fld>
             <a:endParaRPr lang="en-US"/>
           </a:p>
@@ -668,7 +668,7 @@
           <a:p>
             <a:fld id="{DFAE126E-B4C2-8D4D-9F24-C13BDCAABB05}" type="datetimeFigureOut">
               <a:rPr lang="en-US" smtClean="0"/>
-              <a:t>6/6/18</a:t>
+              <a:t>7/8/18</a:t>
             </a:fld>
             <a:endParaRPr lang="en-US"/>
           </a:p>
@@ -866,7 +866,7 @@
           <a:p>
             <a:fld id="{DFAE126E-B4C2-8D4D-9F24-C13BDCAABB05}" type="datetimeFigureOut">
               <a:rPr lang="en-US" smtClean="0"/>
-              <a:t>6/6/18</a:t>
+              <a:t>7/8/18</a:t>
             </a:fld>
             <a:endParaRPr lang="en-US"/>
           </a:p>
@@ -1141,7 +1141,7 @@
           <a:p>
             <a:fld id="{DFAE126E-B4C2-8D4D-9F24-C13BDCAABB05}" type="datetimeFigureOut">
               <a:rPr lang="en-US" smtClean="0"/>
-              <a:t>6/6/18</a:t>
+              <a:t>7/8/18</a:t>
             </a:fld>
             <a:endParaRPr lang="en-US"/>
           </a:p>
@@ -1406,7 +1406,7 @@
           <a:p>
             <a:fld id="{DFAE126E-B4C2-8D4D-9F24-C13BDCAABB05}" type="datetimeFigureOut">
               <a:rPr lang="en-US" smtClean="0"/>
-              <a:t>6/6/18</a:t>
+              <a:t>7/8/18</a:t>
             </a:fld>
             <a:endParaRPr lang="en-US"/>
           </a:p>
@@ -1818,7 +1818,7 @@
           <a:p>
             <a:fld id="{DFAE126E-B4C2-8D4D-9F24-C13BDCAABB05}" type="datetimeFigureOut">
               <a:rPr lang="en-US" smtClean="0"/>
-              <a:t>6/6/18</a:t>
+              <a:t>7/8/18</a:t>
             </a:fld>
             <a:endParaRPr lang="en-US"/>
           </a:p>
@@ -1959,7 +1959,7 @@
           <a:p>
             <a:fld id="{DFAE126E-B4C2-8D4D-9F24-C13BDCAABB05}" type="datetimeFigureOut">
               <a:rPr lang="en-US" smtClean="0"/>
-              <a:t>6/6/18</a:t>
+              <a:t>7/8/18</a:t>
             </a:fld>
             <a:endParaRPr lang="en-US"/>
           </a:p>
@@ -2072,7 +2072,7 @@
           <a:p>
             <a:fld id="{DFAE126E-B4C2-8D4D-9F24-C13BDCAABB05}" type="datetimeFigureOut">
               <a:rPr lang="en-US" smtClean="0"/>
-              <a:t>6/6/18</a:t>
+              <a:t>7/8/18</a:t>
             </a:fld>
             <a:endParaRPr lang="en-US"/>
           </a:p>
@@ -2383,7 +2383,7 @@
           <a:p>
             <a:fld id="{DFAE126E-B4C2-8D4D-9F24-C13BDCAABB05}" type="datetimeFigureOut">
               <a:rPr lang="en-US" smtClean="0"/>
-              <a:t>6/6/18</a:t>
+              <a:t>7/8/18</a:t>
             </a:fld>
             <a:endParaRPr lang="en-US"/>
           </a:p>
@@ -2671,7 +2671,7 @@
           <a:p>
             <a:fld id="{DFAE126E-B4C2-8D4D-9F24-C13BDCAABB05}" type="datetimeFigureOut">
               <a:rPr lang="en-US" smtClean="0"/>
-              <a:t>6/6/18</a:t>
+              <a:t>7/8/18</a:t>
             </a:fld>
             <a:endParaRPr lang="en-US"/>
           </a:p>
@@ -2912,7 +2912,7 @@
           <a:p>
             <a:fld id="{DFAE126E-B4C2-8D4D-9F24-C13BDCAABB05}" type="datetimeFigureOut">
               <a:rPr lang="en-US" smtClean="0"/>
-              <a:t>6/6/18</a:t>
+              <a:t>7/8/18</a:t>
             </a:fld>
             <a:endParaRPr lang="en-US"/>
           </a:p>
@@ -5911,10 +5911,10 @@
           </p:nvGrpSpPr>
           <p:grpSpPr>
             <a:xfrm>
-              <a:off x="2296738" y="3451860"/>
-              <a:ext cx="1535430" cy="1407494"/>
-              <a:chOff x="2343630" y="3451860"/>
-              <a:chExt cx="1535430" cy="1407494"/>
+              <a:off x="2615979" y="3451860"/>
+              <a:ext cx="893314" cy="1434034"/>
+              <a:chOff x="2662871" y="3451860"/>
+              <a:chExt cx="893314" cy="1434034"/>
             </a:xfrm>
           </p:grpSpPr>
           <p:sp>
@@ -5931,8 +5931,8 @@
             </p:nvSpPr>
             <p:spPr>
               <a:xfrm>
-                <a:off x="2343630" y="4486671"/>
-                <a:ext cx="1535430" cy="372683"/>
+                <a:off x="2662871" y="4513211"/>
+                <a:ext cx="893314" cy="372683"/>
               </a:xfrm>
               <a:prstGeom prst="roundRect">
                 <a:avLst/>
@@ -5959,7 +5959,7 @@
                 <a:pPr algn="ctr"/>
                 <a:r>
                   <a:rPr lang="en-US" dirty="0"/>
-                  <a:t>John B. Taylor</a:t>
+                  <a:t>ENT</a:t>
                 </a:r>
               </a:p>
             </p:txBody>
@@ -6029,8 +6029,8 @@
             </p:nvCxnSpPr>
             <p:spPr>
               <a:xfrm flipV="1">
-                <a:off x="3111345" y="3771900"/>
-                <a:ext cx="0" cy="714771"/>
+                <a:off x="3109528" y="3771900"/>
+                <a:ext cx="1817" cy="741311"/>
               </a:xfrm>
               <a:prstGeom prst="straightConnector1">
                 <a:avLst/>
@@ -6744,7 +6744,7 @@
                 <a:pPr algn="ctr"/>
                 <a:r>
                   <a:rPr lang="en-US" dirty="0"/>
-                  <a:t>Fed</a:t>
+                  <a:t>ENT</a:t>
                 </a:r>
               </a:p>
             </p:txBody>
